--- a/bee.pptx
+++ b/bee.pptx
@@ -10,7 +10,7 @@
     <p:sldId id="258" r:id="rId4"/>
   </p:sldIdLst>
   <p:sldSz cx="9906000" cy="6858000" type="A4"/>
-  <p:notesSz cx="6858000" cy="9144000"/>
+  <p:notesSz cx="6797675" cy="9928225"/>
   <p:defaultTextStyle>
     <a:defPPr>
       <a:defRPr lang="en-US"/>
@@ -290,7 +290,7 @@
           <a:p>
             <a:fld id="{5DF54990-E4BC-45D3-9962-E65E09649A08}" type="datetimeFigureOut">
               <a:rPr lang="en-US" smtClean="0"/>
-              <a:t>2/18/2019</a:t>
+              <a:t>2/19/2019</a:t>
             </a:fld>
             <a:endParaRPr lang="en-US"/>
           </a:p>
@@ -460,7 +460,7 @@
           <a:p>
             <a:fld id="{5DF54990-E4BC-45D3-9962-E65E09649A08}" type="datetimeFigureOut">
               <a:rPr lang="en-US" smtClean="0"/>
-              <a:t>2/18/2019</a:t>
+              <a:t>2/19/2019</a:t>
             </a:fld>
             <a:endParaRPr lang="en-US"/>
           </a:p>
@@ -640,7 +640,7 @@
           <a:p>
             <a:fld id="{5DF54990-E4BC-45D3-9962-E65E09649A08}" type="datetimeFigureOut">
               <a:rPr lang="en-US" smtClean="0"/>
-              <a:t>2/18/2019</a:t>
+              <a:t>2/19/2019</a:t>
             </a:fld>
             <a:endParaRPr lang="en-US"/>
           </a:p>
@@ -810,7 +810,7 @@
           <a:p>
             <a:fld id="{5DF54990-E4BC-45D3-9962-E65E09649A08}" type="datetimeFigureOut">
               <a:rPr lang="en-US" smtClean="0"/>
-              <a:t>2/18/2019</a:t>
+              <a:t>2/19/2019</a:t>
             </a:fld>
             <a:endParaRPr lang="en-US"/>
           </a:p>
@@ -1056,7 +1056,7 @@
           <a:p>
             <a:fld id="{5DF54990-E4BC-45D3-9962-E65E09649A08}" type="datetimeFigureOut">
               <a:rPr lang="en-US" smtClean="0"/>
-              <a:t>2/18/2019</a:t>
+              <a:t>2/19/2019</a:t>
             </a:fld>
             <a:endParaRPr lang="en-US"/>
           </a:p>
@@ -1344,7 +1344,7 @@
           <a:p>
             <a:fld id="{5DF54990-E4BC-45D3-9962-E65E09649A08}" type="datetimeFigureOut">
               <a:rPr lang="en-US" smtClean="0"/>
-              <a:t>2/18/2019</a:t>
+              <a:t>2/19/2019</a:t>
             </a:fld>
             <a:endParaRPr lang="en-US"/>
           </a:p>
@@ -1771,7 +1771,7 @@
           <a:p>
             <a:fld id="{5DF54990-E4BC-45D3-9962-E65E09649A08}" type="datetimeFigureOut">
               <a:rPr lang="en-US" smtClean="0"/>
-              <a:t>2/18/2019</a:t>
+              <a:t>2/19/2019</a:t>
             </a:fld>
             <a:endParaRPr lang="en-US"/>
           </a:p>
@@ -1889,7 +1889,7 @@
           <a:p>
             <a:fld id="{5DF54990-E4BC-45D3-9962-E65E09649A08}" type="datetimeFigureOut">
               <a:rPr lang="en-US" smtClean="0"/>
-              <a:t>2/18/2019</a:t>
+              <a:t>2/19/2019</a:t>
             </a:fld>
             <a:endParaRPr lang="en-US"/>
           </a:p>
@@ -1984,7 +1984,7 @@
           <a:p>
             <a:fld id="{5DF54990-E4BC-45D3-9962-E65E09649A08}" type="datetimeFigureOut">
               <a:rPr lang="en-US" smtClean="0"/>
-              <a:t>2/18/2019</a:t>
+              <a:t>2/19/2019</a:t>
             </a:fld>
             <a:endParaRPr lang="en-US"/>
           </a:p>
@@ -2261,7 +2261,7 @@
           <a:p>
             <a:fld id="{5DF54990-E4BC-45D3-9962-E65E09649A08}" type="datetimeFigureOut">
               <a:rPr lang="en-US" smtClean="0"/>
-              <a:t>2/18/2019</a:t>
+              <a:t>2/19/2019</a:t>
             </a:fld>
             <a:endParaRPr lang="en-US"/>
           </a:p>
@@ -2514,7 +2514,7 @@
           <a:p>
             <a:fld id="{5DF54990-E4BC-45D3-9962-E65E09649A08}" type="datetimeFigureOut">
               <a:rPr lang="en-US" smtClean="0"/>
-              <a:t>2/18/2019</a:t>
+              <a:t>2/19/2019</a:t>
             </a:fld>
             <a:endParaRPr lang="en-US"/>
           </a:p>
@@ -2727,7 +2727,7 @@
           <a:p>
             <a:fld id="{5DF54990-E4BC-45D3-9962-E65E09649A08}" type="datetimeFigureOut">
               <a:rPr lang="en-US" smtClean="0"/>
-              <a:t>2/18/2019</a:t>
+              <a:t>2/19/2019</a:t>
             </a:fld>
             <a:endParaRPr lang="en-US"/>
           </a:p>
@@ -3102,181 +3102,1161 @@
           <a:chExt cx="0" cy="0"/>
         </a:xfrm>
       </p:grpSpPr>
-      <p:sp>
-        <p:nvSpPr>
-          <p:cNvPr id="5" name="Freeform 4"/>
-          <p:cNvSpPr/>
+      <p:grpSp>
+        <p:nvGrpSpPr>
+          <p:cNvPr id="15" name="Group 14"/>
+          <p:cNvGrpSpPr/>
+          <p:nvPr/>
+        </p:nvGrpSpPr>
+        <p:grpSpPr>
+          <a:xfrm>
+            <a:off x="2514600" y="433263"/>
+            <a:ext cx="4872578" cy="862137"/>
+            <a:chOff x="2768229" y="433263"/>
+            <a:chExt cx="4872578" cy="862137"/>
+          </a:xfrm>
+        </p:grpSpPr>
+        <p:sp>
+          <p:nvSpPr>
+            <p:cNvPr id="5" name="Freeform 4"/>
+            <p:cNvSpPr/>
+            <p:nvPr/>
+          </p:nvSpPr>
+          <p:spPr>
+            <a:xfrm>
+              <a:off x="3533405" y="439613"/>
+              <a:ext cx="4107402" cy="855787"/>
+            </a:xfrm>
+            <a:custGeom>
+              <a:avLst/>
+              <a:gdLst>
+                <a:gd name="connsiteX0" fmla="*/ 5291091 w 5291091"/>
+                <a:gd name="connsiteY0" fmla="*/ 358010 h 855787"/>
+                <a:gd name="connsiteX1" fmla="*/ 3719744 w 5291091"/>
+                <a:gd name="connsiteY1" fmla="*/ 793016 h 855787"/>
+                <a:gd name="connsiteX2" fmla="*/ 2441359 w 5291091"/>
+                <a:gd name="connsiteY2" fmla="*/ 721995 h 855787"/>
+                <a:gd name="connsiteX3" fmla="*/ 2077375 w 5291091"/>
+                <a:gd name="connsiteY3" fmla="*/ 251478 h 855787"/>
+                <a:gd name="connsiteX4" fmla="*/ 2512381 w 5291091"/>
+                <a:gd name="connsiteY4" fmla="*/ 2904 h 855787"/>
+                <a:gd name="connsiteX5" fmla="*/ 2956264 w 5291091"/>
+                <a:gd name="connsiteY5" fmla="*/ 136069 h 855787"/>
+                <a:gd name="connsiteX6" fmla="*/ 2867487 w 5291091"/>
+                <a:gd name="connsiteY6" fmla="*/ 437909 h 855787"/>
+                <a:gd name="connsiteX7" fmla="*/ 2166152 w 5291091"/>
+                <a:gd name="connsiteY7" fmla="*/ 810772 h 855787"/>
+                <a:gd name="connsiteX8" fmla="*/ 1526959 w 5291091"/>
+                <a:gd name="connsiteY8" fmla="*/ 846282 h 855787"/>
+                <a:gd name="connsiteX9" fmla="*/ 772357 w 5291091"/>
+                <a:gd name="connsiteY9" fmla="*/ 784139 h 855787"/>
+                <a:gd name="connsiteX10" fmla="*/ 0 w 5291091"/>
+                <a:gd name="connsiteY10" fmla="*/ 482298 h 855787"/>
+              </a:gdLst>
+              <a:ahLst/>
+              <a:cxnLst>
+                <a:cxn ang="0">
+                  <a:pos x="connsiteX0" y="connsiteY0"/>
+                </a:cxn>
+                <a:cxn ang="0">
+                  <a:pos x="connsiteX1" y="connsiteY1"/>
+                </a:cxn>
+                <a:cxn ang="0">
+                  <a:pos x="connsiteX2" y="connsiteY2"/>
+                </a:cxn>
+                <a:cxn ang="0">
+                  <a:pos x="connsiteX3" y="connsiteY3"/>
+                </a:cxn>
+                <a:cxn ang="0">
+                  <a:pos x="connsiteX4" y="connsiteY4"/>
+                </a:cxn>
+                <a:cxn ang="0">
+                  <a:pos x="connsiteX5" y="connsiteY5"/>
+                </a:cxn>
+                <a:cxn ang="0">
+                  <a:pos x="connsiteX6" y="connsiteY6"/>
+                </a:cxn>
+                <a:cxn ang="0">
+                  <a:pos x="connsiteX7" y="connsiteY7"/>
+                </a:cxn>
+                <a:cxn ang="0">
+                  <a:pos x="connsiteX8" y="connsiteY8"/>
+                </a:cxn>
+                <a:cxn ang="0">
+                  <a:pos x="connsiteX9" y="connsiteY9"/>
+                </a:cxn>
+                <a:cxn ang="0">
+                  <a:pos x="connsiteX10" y="connsiteY10"/>
+                </a:cxn>
+              </a:cxnLst>
+              <a:rect l="l" t="t" r="r" b="b"/>
+              <a:pathLst>
+                <a:path w="5291091" h="855787">
+                  <a:moveTo>
+                    <a:pt x="5291091" y="358010"/>
+                  </a:moveTo>
+                  <a:cubicBezTo>
+                    <a:pt x="4742895" y="545181"/>
+                    <a:pt x="4194699" y="732352"/>
+                    <a:pt x="3719744" y="793016"/>
+                  </a:cubicBezTo>
+                  <a:cubicBezTo>
+                    <a:pt x="3244789" y="853680"/>
+                    <a:pt x="2715087" y="812251"/>
+                    <a:pt x="2441359" y="721995"/>
+                  </a:cubicBezTo>
+                  <a:cubicBezTo>
+                    <a:pt x="2167631" y="631739"/>
+                    <a:pt x="2065538" y="371326"/>
+                    <a:pt x="2077375" y="251478"/>
+                  </a:cubicBezTo>
+                  <a:cubicBezTo>
+                    <a:pt x="2089212" y="131630"/>
+                    <a:pt x="2365900" y="22139"/>
+                    <a:pt x="2512381" y="2904"/>
+                  </a:cubicBezTo>
+                  <a:cubicBezTo>
+                    <a:pt x="2658862" y="-16331"/>
+                    <a:pt x="2897080" y="63568"/>
+                    <a:pt x="2956264" y="136069"/>
+                  </a:cubicBezTo>
+                  <a:cubicBezTo>
+                    <a:pt x="3015448" y="208570"/>
+                    <a:pt x="2999172" y="325459"/>
+                    <a:pt x="2867487" y="437909"/>
+                  </a:cubicBezTo>
+                  <a:cubicBezTo>
+                    <a:pt x="2735802" y="550359"/>
+                    <a:pt x="2389573" y="742710"/>
+                    <a:pt x="2166152" y="810772"/>
+                  </a:cubicBezTo>
+                  <a:cubicBezTo>
+                    <a:pt x="1942731" y="878834"/>
+                    <a:pt x="1759258" y="850721"/>
+                    <a:pt x="1526959" y="846282"/>
+                  </a:cubicBezTo>
+                  <a:cubicBezTo>
+                    <a:pt x="1294660" y="841843"/>
+                    <a:pt x="1026850" y="844803"/>
+                    <a:pt x="772357" y="784139"/>
+                  </a:cubicBezTo>
+                  <a:cubicBezTo>
+                    <a:pt x="517864" y="723475"/>
+                    <a:pt x="258932" y="602886"/>
+                    <a:pt x="0" y="482298"/>
+                  </a:cubicBezTo>
+                </a:path>
+              </a:pathLst>
+            </a:custGeom>
+            <a:noFill/>
+            <a:ln w="12700">
+              <a:solidFill>
+                <a:schemeClr val="tx1"/>
+              </a:solidFill>
+              <a:prstDash val="lgDash"/>
+            </a:ln>
+          </p:spPr>
+          <p:style>
+            <a:lnRef idx="2">
+              <a:schemeClr val="accent1">
+                <a:shade val="50000"/>
+              </a:schemeClr>
+            </a:lnRef>
+            <a:fillRef idx="1">
+              <a:schemeClr val="accent1"/>
+            </a:fillRef>
+            <a:effectRef idx="0">
+              <a:schemeClr val="accent1"/>
+            </a:effectRef>
+            <a:fontRef idx="minor">
+              <a:schemeClr val="lt1"/>
+            </a:fontRef>
+          </p:style>
+          <p:txBody>
+            <a:bodyPr rtlCol="0" anchor="ctr"/>
+            <a:lstStyle/>
+            <a:p>
+              <a:pPr algn="ctr"/>
+              <a:endParaRPr lang="en-US"/>
+            </a:p>
+          </p:txBody>
+        </p:sp>
+        <p:pic>
+          <p:nvPicPr>
+            <p:cNvPr id="1026" name="Picture 2" descr="C:\Users\kishore\Downloads\bee.png"/>
+            <p:cNvPicPr>
+              <a:picLocks noChangeAspect="1" noChangeArrowheads="1"/>
+            </p:cNvPicPr>
+            <p:nvPr/>
+          </p:nvPicPr>
+          <p:blipFill>
+            <a:blip r:embed="rId2" cstate="print">
+              <a:extLst>
+                <a:ext uri="{28A0092B-C50C-407E-A947-70E740481C1C}">
+                  <a14:useLocalDpi xmlns:a14="http://schemas.microsoft.com/office/drawing/2010/main" val="0"/>
+                </a:ext>
+              </a:extLst>
+            </a:blip>
+            <a:srcRect/>
+            <a:stretch>
+              <a:fillRect/>
+            </a:stretch>
+          </p:blipFill>
+          <p:spPr bwMode="auto">
+            <a:xfrm>
+              <a:off x="2768229" y="433263"/>
+              <a:ext cx="781050" cy="781050"/>
+            </a:xfrm>
+            <a:prstGeom prst="rect">
+              <a:avLst/>
+            </a:prstGeom>
+            <a:noFill/>
+            <a:extLst>
+              <a:ext uri="{909E8E84-426E-40DD-AFC4-6F175D3DCCD1}">
+                <a14:hiddenFill xmlns:a14="http://schemas.microsoft.com/office/drawing/2010/main">
+                  <a:solidFill>
+                    <a:srgbClr val="FFFFFF"/>
+                  </a:solidFill>
+                </a14:hiddenFill>
+              </a:ext>
+            </a:extLst>
+          </p:spPr>
+        </p:pic>
+      </p:grpSp>
+      <p:sp>
+        <p:nvSpPr>
+          <p:cNvPr id="8" name="TextBox 7"/>
+          <p:cNvSpPr txBox="1"/>
           <p:nvPr/>
         </p:nvSpPr>
         <p:spPr>
           <a:xfrm>
-            <a:off x="1988598" y="893741"/>
-            <a:ext cx="5291091" cy="855787"/>
+            <a:off x="752475" y="2155448"/>
+            <a:ext cx="6753615" cy="892552"/>
           </a:xfrm>
-          <a:custGeom>
+          <a:prstGeom prst="rect">
             <a:avLst/>
-            <a:gdLst>
-              <a:gd name="connsiteX0" fmla="*/ 5291091 w 5291091"/>
-              <a:gd name="connsiteY0" fmla="*/ 358010 h 855787"/>
-              <a:gd name="connsiteX1" fmla="*/ 3719744 w 5291091"/>
-              <a:gd name="connsiteY1" fmla="*/ 793016 h 855787"/>
-              <a:gd name="connsiteX2" fmla="*/ 2441359 w 5291091"/>
-              <a:gd name="connsiteY2" fmla="*/ 721995 h 855787"/>
-              <a:gd name="connsiteX3" fmla="*/ 2077375 w 5291091"/>
-              <a:gd name="connsiteY3" fmla="*/ 251478 h 855787"/>
-              <a:gd name="connsiteX4" fmla="*/ 2512381 w 5291091"/>
-              <a:gd name="connsiteY4" fmla="*/ 2904 h 855787"/>
-              <a:gd name="connsiteX5" fmla="*/ 2956264 w 5291091"/>
-              <a:gd name="connsiteY5" fmla="*/ 136069 h 855787"/>
-              <a:gd name="connsiteX6" fmla="*/ 2867487 w 5291091"/>
-              <a:gd name="connsiteY6" fmla="*/ 437909 h 855787"/>
-              <a:gd name="connsiteX7" fmla="*/ 2166152 w 5291091"/>
-              <a:gd name="connsiteY7" fmla="*/ 810772 h 855787"/>
-              <a:gd name="connsiteX8" fmla="*/ 1526959 w 5291091"/>
-              <a:gd name="connsiteY8" fmla="*/ 846282 h 855787"/>
-              <a:gd name="connsiteX9" fmla="*/ 772357 w 5291091"/>
-              <a:gd name="connsiteY9" fmla="*/ 784139 h 855787"/>
-              <a:gd name="connsiteX10" fmla="*/ 0 w 5291091"/>
-              <a:gd name="connsiteY10" fmla="*/ 482298 h 855787"/>
-            </a:gdLst>
-            <a:ahLst/>
-            <a:cxnLst>
-              <a:cxn ang="0">
-                <a:pos x="connsiteX0" y="connsiteY0"/>
-              </a:cxn>
-              <a:cxn ang="0">
-                <a:pos x="connsiteX1" y="connsiteY1"/>
-              </a:cxn>
-              <a:cxn ang="0">
-                <a:pos x="connsiteX2" y="connsiteY2"/>
-              </a:cxn>
-              <a:cxn ang="0">
-                <a:pos x="connsiteX3" y="connsiteY3"/>
-              </a:cxn>
-              <a:cxn ang="0">
-                <a:pos x="connsiteX4" y="connsiteY4"/>
-              </a:cxn>
-              <a:cxn ang="0">
-                <a:pos x="connsiteX5" y="connsiteY5"/>
-              </a:cxn>
-              <a:cxn ang="0">
-                <a:pos x="connsiteX6" y="connsiteY6"/>
-              </a:cxn>
-              <a:cxn ang="0">
-                <a:pos x="connsiteX7" y="connsiteY7"/>
-              </a:cxn>
-              <a:cxn ang="0">
-                <a:pos x="connsiteX8" y="connsiteY8"/>
-              </a:cxn>
-              <a:cxn ang="0">
-                <a:pos x="connsiteX9" y="connsiteY9"/>
-              </a:cxn>
-              <a:cxn ang="0">
-                <a:pos x="connsiteX10" y="connsiteY10"/>
-              </a:cxn>
-            </a:cxnLst>
-            <a:rect l="l" t="t" r="r" b="b"/>
-            <a:pathLst>
-              <a:path w="5291091" h="855787">
-                <a:moveTo>
-                  <a:pt x="5291091" y="358010"/>
-                </a:moveTo>
-                <a:cubicBezTo>
-                  <a:pt x="4742895" y="545181"/>
-                  <a:pt x="4194699" y="732352"/>
-                  <a:pt x="3719744" y="793016"/>
-                </a:cubicBezTo>
-                <a:cubicBezTo>
-                  <a:pt x="3244789" y="853680"/>
-                  <a:pt x="2715087" y="812251"/>
-                  <a:pt x="2441359" y="721995"/>
-                </a:cubicBezTo>
-                <a:cubicBezTo>
-                  <a:pt x="2167631" y="631739"/>
-                  <a:pt x="2065538" y="371326"/>
-                  <a:pt x="2077375" y="251478"/>
-                </a:cubicBezTo>
-                <a:cubicBezTo>
-                  <a:pt x="2089212" y="131630"/>
-                  <a:pt x="2365900" y="22139"/>
-                  <a:pt x="2512381" y="2904"/>
-                </a:cubicBezTo>
-                <a:cubicBezTo>
-                  <a:pt x="2658862" y="-16331"/>
-                  <a:pt x="2897080" y="63568"/>
-                  <a:pt x="2956264" y="136069"/>
-                </a:cubicBezTo>
-                <a:cubicBezTo>
-                  <a:pt x="3015448" y="208570"/>
-                  <a:pt x="2999172" y="325459"/>
-                  <a:pt x="2867487" y="437909"/>
-                </a:cubicBezTo>
-                <a:cubicBezTo>
-                  <a:pt x="2735802" y="550359"/>
-                  <a:pt x="2389573" y="742710"/>
-                  <a:pt x="2166152" y="810772"/>
-                </a:cubicBezTo>
-                <a:cubicBezTo>
-                  <a:pt x="1942731" y="878834"/>
-                  <a:pt x="1759258" y="850721"/>
-                  <a:pt x="1526959" y="846282"/>
-                </a:cubicBezTo>
-                <a:cubicBezTo>
-                  <a:pt x="1294660" y="841843"/>
-                  <a:pt x="1026850" y="844803"/>
-                  <a:pt x="772357" y="784139"/>
-                </a:cubicBezTo>
-                <a:cubicBezTo>
-                  <a:pt x="517864" y="723475"/>
-                  <a:pt x="258932" y="602886"/>
-                  <a:pt x="0" y="482298"/>
-                </a:cubicBezTo>
-              </a:path>
-            </a:pathLst>
-          </a:custGeom>
+          </a:prstGeom>
           <a:noFill/>
-          <a:ln w="12700">
-            <a:solidFill>
+        </p:spPr>
+        <p:txBody>
+          <a:bodyPr wrap="square" rtlCol="0">
+            <a:spAutoFit/>
+          </a:bodyPr>
+          <a:lstStyle/>
+          <a:p>
+            <a:pPr algn="r"/>
+            <a:r>
+              <a:rPr lang="en-US" sz="3200" b="1" dirty="0" smtClean="0">
+                <a:solidFill>
+                  <a:srgbClr val="C00000"/>
+                </a:solidFill>
+                <a:latin typeface="Segoe Print" panose="02000600000000000000" pitchFamily="2" charset="0"/>
+              </a:rPr>
+              <a:t>85%</a:t>
+            </a:r>
+            <a:r>
+              <a:rPr lang="en-US" sz="2000" b="1" dirty="0" smtClean="0">
+                <a:latin typeface="Segoe Print" panose="02000600000000000000" pitchFamily="2" charset="0"/>
+              </a:rPr>
+              <a:t> </a:t>
+            </a:r>
+            <a:r>
+              <a:rPr lang="en-US" sz="2000" b="1" dirty="0" smtClean="0">
+                <a:solidFill>
+                  <a:srgbClr val="0070C0"/>
+                </a:solidFill>
+                <a:latin typeface="Segoe Print" panose="02000600000000000000" pitchFamily="2" charset="0"/>
+              </a:rPr>
+              <a:t>plants exist because of </a:t>
+            </a:r>
+            <a:r>
+              <a:rPr lang="en-US" sz="2000" b="1" dirty="0" smtClean="0">
+                <a:solidFill>
+                  <a:srgbClr val="0070C0"/>
+                </a:solidFill>
+                <a:latin typeface="Segoe Print" panose="02000600000000000000" pitchFamily="2" charset="0"/>
+              </a:rPr>
+              <a:t>bees.</a:t>
+            </a:r>
+          </a:p>
+          <a:p>
+            <a:pPr algn="r"/>
+            <a:r>
+              <a:rPr lang="en-US" sz="2000" b="1" dirty="0" smtClean="0">
+                <a:latin typeface="Segoe Print" panose="02000600000000000000" pitchFamily="2" charset="0"/>
+              </a:rPr>
+              <a:t>More than 100 food crops are pollinated by bees.</a:t>
+            </a:r>
+            <a:endParaRPr lang="en-US" sz="2000" b="1" dirty="0">
+              <a:latin typeface="Segoe Print" panose="02000600000000000000" pitchFamily="2" charset="0"/>
+            </a:endParaRPr>
+          </a:p>
+        </p:txBody>
+      </p:sp>
+      <p:sp>
+        <p:nvSpPr>
+          <p:cNvPr id="9" name="TextBox 8"/>
+          <p:cNvSpPr txBox="1"/>
+          <p:nvPr/>
+        </p:nvSpPr>
+        <p:spPr>
+          <a:xfrm>
+            <a:off x="3197752" y="3556337"/>
+            <a:ext cx="6327248" cy="1015663"/>
+          </a:xfrm>
+          <a:prstGeom prst="rect">
+            <a:avLst/>
+          </a:prstGeom>
+          <a:noFill/>
+        </p:spPr>
+        <p:txBody>
+          <a:bodyPr wrap="square" rtlCol="0">
+            <a:spAutoFit/>
+          </a:bodyPr>
+          <a:lstStyle/>
+          <a:p>
+            <a:pPr algn="ctr"/>
+            <a:r>
+              <a:rPr lang="en-US" sz="2000" b="1" dirty="0" smtClean="0">
+                <a:solidFill>
+                  <a:srgbClr val="0070C0"/>
+                </a:solidFill>
+                <a:latin typeface="Segoe Print" panose="02000600000000000000" pitchFamily="2" charset="0"/>
+              </a:rPr>
+              <a:t>Bees are responsible for food quality and </a:t>
+            </a:r>
+            <a:r>
+              <a:rPr lang="en-US" sz="2000" b="1" dirty="0" smtClean="0">
+                <a:solidFill>
+                  <a:srgbClr val="0070C0"/>
+                </a:solidFill>
+                <a:latin typeface="Segoe Print" panose="02000600000000000000" pitchFamily="2" charset="0"/>
+              </a:rPr>
+              <a:t>safety.</a:t>
+            </a:r>
+            <a:endParaRPr lang="en-US" b="1" dirty="0">
+              <a:solidFill>
+                <a:srgbClr val="0070C0"/>
+              </a:solidFill>
+              <a:latin typeface="Segoe Print" panose="02000600000000000000" pitchFamily="2" charset="0"/>
+            </a:endParaRPr>
+          </a:p>
+          <a:p>
+            <a:pPr algn="ctr"/>
+            <a:r>
+              <a:rPr lang="en-US" sz="2000" b="1" dirty="0" smtClean="0">
+                <a:latin typeface="Segoe Print" panose="02000600000000000000" pitchFamily="2" charset="0"/>
+              </a:rPr>
+              <a:t>We </a:t>
+            </a:r>
+            <a:r>
+              <a:rPr lang="en-US" sz="2000" b="1" dirty="0" smtClean="0">
+                <a:latin typeface="Segoe Print" panose="02000600000000000000" pitchFamily="2" charset="0"/>
+              </a:rPr>
+              <a:t>can thank a pollinator for as much as 1/3 of all food we eat!</a:t>
+            </a:r>
+            <a:endParaRPr lang="en-US" sz="1400" b="1" dirty="0">
+              <a:latin typeface="Segoe Print" panose="02000600000000000000" pitchFamily="2" charset="0"/>
+            </a:endParaRPr>
+          </a:p>
+        </p:txBody>
+      </p:sp>
+      <p:sp>
+        <p:nvSpPr>
+          <p:cNvPr id="7" name="TextBox 6"/>
+          <p:cNvSpPr txBox="1"/>
+          <p:nvPr/>
+        </p:nvSpPr>
+        <p:spPr>
+          <a:xfrm>
+            <a:off x="348058" y="5200562"/>
+            <a:ext cx="4179703" cy="707886"/>
+          </a:xfrm>
+          <a:prstGeom prst="rect">
+            <a:avLst/>
+          </a:prstGeom>
+          <a:noFill/>
+        </p:spPr>
+        <p:txBody>
+          <a:bodyPr wrap="square" rtlCol="0">
+            <a:spAutoFit/>
+          </a:bodyPr>
+          <a:lstStyle/>
+          <a:p>
+            <a:pPr algn="ctr"/>
+            <a:r>
+              <a:rPr lang="en-US" sz="2000" b="1" dirty="0" smtClean="0">
+                <a:solidFill>
+                  <a:srgbClr val="0070C0"/>
+                </a:solidFill>
+                <a:latin typeface="Segoe Print" panose="02000600000000000000" pitchFamily="2" charset="0"/>
+              </a:rPr>
+              <a:t>You can thank bees for the grasses that feed our cows</a:t>
+            </a:r>
+            <a:r>
+              <a:rPr lang="en-US" sz="2000" b="1" dirty="0" smtClean="0">
+                <a:solidFill>
+                  <a:srgbClr val="0070C0"/>
+                </a:solidFill>
+                <a:latin typeface="Segoe Print" panose="02000600000000000000" pitchFamily="2" charset="0"/>
+              </a:rPr>
+              <a:t>.</a:t>
+            </a:r>
+            <a:endParaRPr lang="en-US" sz="2000" b="1" dirty="0" smtClean="0">
+              <a:solidFill>
+                <a:srgbClr val="0070C0"/>
+              </a:solidFill>
+              <a:latin typeface="Segoe Print" panose="02000600000000000000" pitchFamily="2" charset="0"/>
+            </a:endParaRPr>
+          </a:p>
+        </p:txBody>
+      </p:sp>
+      <p:grpSp>
+        <p:nvGrpSpPr>
+          <p:cNvPr id="3" name="Group 2"/>
+          <p:cNvGrpSpPr/>
+          <p:nvPr/>
+        </p:nvGrpSpPr>
+        <p:grpSpPr>
+          <a:xfrm>
+            <a:off x="752475" y="3228578"/>
+            <a:ext cx="2371725" cy="1648222"/>
+            <a:chOff x="990600" y="2819400"/>
+            <a:chExt cx="2371725" cy="1648222"/>
+          </a:xfrm>
+        </p:grpSpPr>
+        <p:pic>
+          <p:nvPicPr>
+            <p:cNvPr id="10" name="Picture 2" descr="C:\Users\kishore\Downloads\pear.png"/>
+            <p:cNvPicPr>
+              <a:picLocks noChangeAspect="1" noChangeArrowheads="1"/>
+            </p:cNvPicPr>
+            <p:nvPr/>
+          </p:nvPicPr>
+          <p:blipFill>
+            <a:blip r:embed="rId3" cstate="print">
+              <a:extLst>
+                <a:ext uri="{28A0092B-C50C-407E-A947-70E740481C1C}">
+                  <a14:useLocalDpi xmlns:a14="http://schemas.microsoft.com/office/drawing/2010/main" val="0"/>
+                </a:ext>
+              </a:extLst>
+            </a:blip>
+            <a:srcRect/>
+            <a:stretch>
+              <a:fillRect/>
+            </a:stretch>
+          </p:blipFill>
+          <p:spPr bwMode="auto">
+            <a:xfrm>
+              <a:off x="2286000" y="3048000"/>
+              <a:ext cx="1076325" cy="1076325"/>
+            </a:xfrm>
+            <a:prstGeom prst="rect">
+              <a:avLst/>
+            </a:prstGeom>
+            <a:noFill/>
+            <a:extLst>
+              <a:ext uri="{909E8E84-426E-40DD-AFC4-6F175D3DCCD1}">
+                <a14:hiddenFill xmlns:a14="http://schemas.microsoft.com/office/drawing/2010/main">
+                  <a:solidFill>
+                    <a:srgbClr val="FFFFFF"/>
+                  </a:solidFill>
+                </a14:hiddenFill>
+              </a:ext>
+            </a:extLst>
+          </p:spPr>
+        </p:pic>
+        <p:pic>
+          <p:nvPicPr>
+            <p:cNvPr id="11" name="Picture 3" descr="C:\Users\kishore\Downloads\apple (1).png"/>
+            <p:cNvPicPr>
+              <a:picLocks noChangeAspect="1" noChangeArrowheads="1"/>
+            </p:cNvPicPr>
+            <p:nvPr/>
+          </p:nvPicPr>
+          <p:blipFill>
+            <a:blip r:embed="rId4" cstate="print">
+              <a:extLst>
+                <a:ext uri="{28A0092B-C50C-407E-A947-70E740481C1C}">
+                  <a14:useLocalDpi xmlns:a14="http://schemas.microsoft.com/office/drawing/2010/main" val="0"/>
+                </a:ext>
+              </a:extLst>
+            </a:blip>
+            <a:srcRect/>
+            <a:stretch>
+              <a:fillRect/>
+            </a:stretch>
+          </p:blipFill>
+          <p:spPr bwMode="auto">
+            <a:xfrm>
+              <a:off x="1752600" y="2819400"/>
+              <a:ext cx="881063" cy="881063"/>
+            </a:xfrm>
+            <a:prstGeom prst="rect">
+              <a:avLst/>
+            </a:prstGeom>
+            <a:noFill/>
+            <a:extLst>
+              <a:ext uri="{909E8E84-426E-40DD-AFC4-6F175D3DCCD1}">
+                <a14:hiddenFill xmlns:a14="http://schemas.microsoft.com/office/drawing/2010/main">
+                  <a:solidFill>
+                    <a:srgbClr val="FFFFFF"/>
+                  </a:solidFill>
+                </a14:hiddenFill>
+              </a:ext>
+            </a:extLst>
+          </p:spPr>
+        </p:pic>
+        <p:pic>
+          <p:nvPicPr>
+            <p:cNvPr id="12" name="Picture 4" descr="C:\Users\kishore\Downloads\mango (1).png"/>
+            <p:cNvPicPr>
+              <a:picLocks noChangeAspect="1" noChangeArrowheads="1"/>
+            </p:cNvPicPr>
+            <p:nvPr/>
+          </p:nvPicPr>
+          <p:blipFill>
+            <a:blip r:embed="rId5" cstate="print">
+              <a:extLst>
+                <a:ext uri="{28A0092B-C50C-407E-A947-70E740481C1C}">
+                  <a14:useLocalDpi xmlns:a14="http://schemas.microsoft.com/office/drawing/2010/main" val="0"/>
+                </a:ext>
+              </a:extLst>
+            </a:blip>
+            <a:srcRect/>
+            <a:stretch>
+              <a:fillRect/>
+            </a:stretch>
+          </p:blipFill>
+          <p:spPr bwMode="auto">
+            <a:xfrm>
+              <a:off x="990600" y="3039248"/>
+              <a:ext cx="1076325" cy="1076325"/>
+            </a:xfrm>
+            <a:prstGeom prst="rect">
+              <a:avLst/>
+            </a:prstGeom>
+            <a:noFill/>
+            <a:extLst>
+              <a:ext uri="{909E8E84-426E-40DD-AFC4-6F175D3DCCD1}">
+                <a14:hiddenFill xmlns:a14="http://schemas.microsoft.com/office/drawing/2010/main">
+                  <a:solidFill>
+                    <a:srgbClr val="FFFFFF"/>
+                  </a:solidFill>
+                </a14:hiddenFill>
+              </a:ext>
+            </a:extLst>
+          </p:spPr>
+        </p:pic>
+        <p:pic>
+          <p:nvPicPr>
+            <p:cNvPr id="13" name="Picture 5" descr="C:\Users\kishore\Downloads\cucumber (1).png"/>
+            <p:cNvPicPr>
+              <a:picLocks noChangeAspect="1" noChangeArrowheads="1"/>
+            </p:cNvPicPr>
+            <p:nvPr/>
+          </p:nvPicPr>
+          <p:blipFill>
+            <a:blip r:embed="rId6" cstate="print">
+              <a:extLst>
+                <a:ext uri="{28A0092B-C50C-407E-A947-70E740481C1C}">
+                  <a14:useLocalDpi xmlns:a14="http://schemas.microsoft.com/office/drawing/2010/main" val="0"/>
+                </a:ext>
+              </a:extLst>
+            </a:blip>
+            <a:srcRect/>
+            <a:stretch>
+              <a:fillRect/>
+            </a:stretch>
+          </p:blipFill>
+          <p:spPr bwMode="auto">
+            <a:xfrm>
+              <a:off x="1524000" y="3429000"/>
+              <a:ext cx="1038622" cy="1038622"/>
+            </a:xfrm>
+            <a:prstGeom prst="rect">
+              <a:avLst/>
+            </a:prstGeom>
+            <a:noFill/>
+            <a:extLst>
+              <a:ext uri="{909E8E84-426E-40DD-AFC4-6F175D3DCCD1}">
+                <a14:hiddenFill xmlns:a14="http://schemas.microsoft.com/office/drawing/2010/main">
+                  <a:solidFill>
+                    <a:srgbClr val="FFFFFF"/>
+                  </a:solidFill>
+                </a14:hiddenFill>
+              </a:ext>
+            </a:extLst>
+          </p:spPr>
+        </p:pic>
+      </p:grpSp>
+      <p:grpSp>
+        <p:nvGrpSpPr>
+          <p:cNvPr id="17" name="Group 16"/>
+          <p:cNvGrpSpPr/>
+          <p:nvPr/>
+        </p:nvGrpSpPr>
+        <p:grpSpPr>
+          <a:xfrm>
+            <a:off x="4460020" y="4821389"/>
+            <a:ext cx="5064980" cy="893611"/>
+            <a:chOff x="1219200" y="3960094"/>
+            <a:chExt cx="5445980" cy="893611"/>
+          </a:xfrm>
+        </p:grpSpPr>
+        <p:pic>
+          <p:nvPicPr>
+            <p:cNvPr id="18" name="Picture 2" descr="Image result for honeycomb"/>
+            <p:cNvPicPr>
+              <a:picLocks noChangeAspect="1" noChangeArrowheads="1"/>
+            </p:cNvPicPr>
+            <p:nvPr/>
+          </p:nvPicPr>
+          <p:blipFill>
+            <a:blip r:embed="rId7" cstate="print">
+              <a:extLst>
+                <a:ext uri="{28A0092B-C50C-407E-A947-70E740481C1C}">
+                  <a14:useLocalDpi xmlns:a14="http://schemas.microsoft.com/office/drawing/2010/main" val="0"/>
+                </a:ext>
+              </a:extLst>
+            </a:blip>
+            <a:srcRect/>
+            <a:stretch>
+              <a:fillRect/>
+            </a:stretch>
+          </p:blipFill>
+          <p:spPr bwMode="auto">
+            <a:xfrm>
+              <a:off x="2867652" y="3989551"/>
+              <a:ext cx="646740" cy="798349"/>
+            </a:xfrm>
+            <a:prstGeom prst="rect">
+              <a:avLst/>
+            </a:prstGeom>
+            <a:noFill/>
+            <a:effectLst>
+              <a:softEdge rad="63500"/>
+            </a:effectLst>
+            <a:extLst>
+              <a:ext uri="{909E8E84-426E-40DD-AFC4-6F175D3DCCD1}">
+                <a14:hiddenFill xmlns:a14="http://schemas.microsoft.com/office/drawing/2010/main">
+                  <a:solidFill>
+                    <a:srgbClr val="FFFFFF"/>
+                  </a:solidFill>
+                </a14:hiddenFill>
+              </a:ext>
+            </a:extLst>
+          </p:spPr>
+        </p:pic>
+        <p:pic>
+          <p:nvPicPr>
+            <p:cNvPr id="19" name="Picture 3" descr="C:\Users\kishore\Documents\cow.PNG"/>
+            <p:cNvPicPr>
+              <a:picLocks noChangeAspect="1" noChangeArrowheads="1"/>
+            </p:cNvPicPr>
+            <p:nvPr/>
+          </p:nvPicPr>
+          <p:blipFill>
+            <a:blip r:embed="rId8" cstate="print">
+              <a:extLst>
+                <a:ext uri="{28A0092B-C50C-407E-A947-70E740481C1C}">
+                  <a14:useLocalDpi xmlns:a14="http://schemas.microsoft.com/office/drawing/2010/main" val="0"/>
+                </a:ext>
+              </a:extLst>
+            </a:blip>
+            <a:srcRect/>
+            <a:stretch>
+              <a:fillRect/>
+            </a:stretch>
+          </p:blipFill>
+          <p:spPr bwMode="auto">
+            <a:xfrm>
+              <a:off x="4152570" y="4025900"/>
+              <a:ext cx="876630" cy="762000"/>
+            </a:xfrm>
+            <a:prstGeom prst="rect">
+              <a:avLst/>
+            </a:prstGeom>
+            <a:noFill/>
+            <a:extLst>
+              <a:ext uri="{909E8E84-426E-40DD-AFC4-6F175D3DCCD1}">
+                <a14:hiddenFill xmlns:a14="http://schemas.microsoft.com/office/drawing/2010/main">
+                  <a:solidFill>
+                    <a:srgbClr val="FFFFFF"/>
+                  </a:solidFill>
+                </a14:hiddenFill>
+              </a:ext>
+            </a:extLst>
+          </p:spPr>
+        </p:pic>
+        <p:pic>
+          <p:nvPicPr>
+            <p:cNvPr id="20" name="Picture 4" descr="C:\Users\kishore\Documents\bee.PNG"/>
+            <p:cNvPicPr>
+              <a:picLocks noChangeAspect="1" noChangeArrowheads="1"/>
+            </p:cNvPicPr>
+            <p:nvPr/>
+          </p:nvPicPr>
+          <p:blipFill>
+            <a:blip r:embed="rId9" cstate="print">
+              <a:extLst>
+                <a:ext uri="{28A0092B-C50C-407E-A947-70E740481C1C}">
+                  <a14:useLocalDpi xmlns:a14="http://schemas.microsoft.com/office/drawing/2010/main" val="0"/>
+                </a:ext>
+              </a:extLst>
+            </a:blip>
+            <a:srcRect/>
+            <a:stretch>
+              <a:fillRect/>
+            </a:stretch>
+          </p:blipFill>
+          <p:spPr bwMode="auto">
+            <a:xfrm>
+              <a:off x="1219200" y="4025900"/>
+              <a:ext cx="999091" cy="774700"/>
+            </a:xfrm>
+            <a:prstGeom prst="rect">
+              <a:avLst/>
+            </a:prstGeom>
+            <a:noFill/>
+            <a:extLst>
+              <a:ext uri="{909E8E84-426E-40DD-AFC4-6F175D3DCCD1}">
+                <a14:hiddenFill xmlns:a14="http://schemas.microsoft.com/office/drawing/2010/main">
+                  <a:solidFill>
+                    <a:srgbClr val="FFFFFF"/>
+                  </a:solidFill>
+                </a14:hiddenFill>
+              </a:ext>
+            </a:extLst>
+          </p:spPr>
+        </p:pic>
+        <p:sp>
+          <p:nvSpPr>
+            <p:cNvPr id="21" name="Equal 20"/>
+            <p:cNvSpPr/>
+            <p:nvPr/>
+          </p:nvSpPr>
+          <p:spPr>
+            <a:xfrm>
+              <a:off x="5029200" y="4164367"/>
+              <a:ext cx="625745" cy="509875"/>
+            </a:xfrm>
+            <a:prstGeom prst="mathEqual">
+              <a:avLst>
+                <a:gd name="adj1" fmla="val 13103"/>
+                <a:gd name="adj2" fmla="val 11760"/>
+              </a:avLst>
+            </a:prstGeom>
+            <a:ln>
+              <a:noFill/>
+            </a:ln>
+          </p:spPr>
+          <p:style>
+            <a:lnRef idx="2">
+              <a:schemeClr val="dk1">
+                <a:shade val="50000"/>
+              </a:schemeClr>
+            </a:lnRef>
+            <a:fillRef idx="1">
+              <a:schemeClr val="dk1"/>
+            </a:fillRef>
+            <a:effectRef idx="0">
+              <a:schemeClr val="dk1"/>
+            </a:effectRef>
+            <a:fontRef idx="minor">
+              <a:schemeClr val="lt1"/>
+            </a:fontRef>
+          </p:style>
+          <p:txBody>
+            <a:bodyPr rtlCol="0" anchor="ctr"/>
+            <a:lstStyle/>
+            <a:p>
+              <a:pPr algn="ctr"/>
+              <a:endParaRPr lang="en-US">
+                <a:solidFill>
+                  <a:schemeClr val="tx1"/>
+                </a:solidFill>
+              </a:endParaRPr>
+            </a:p>
+          </p:txBody>
+        </p:sp>
+        <p:sp>
+          <p:nvSpPr>
+            <p:cNvPr id="22" name="Plus 21"/>
+            <p:cNvSpPr/>
+            <p:nvPr/>
+          </p:nvSpPr>
+          <p:spPr>
+            <a:xfrm>
+              <a:off x="2218291" y="4150791"/>
+              <a:ext cx="579661" cy="573609"/>
+            </a:xfrm>
+            <a:prstGeom prst="mathPlus">
+              <a:avLst>
+                <a:gd name="adj1" fmla="val 15301"/>
+              </a:avLst>
+            </a:prstGeom>
+            <a:ln>
+              <a:noFill/>
+            </a:ln>
+          </p:spPr>
+          <p:style>
+            <a:lnRef idx="2">
+              <a:schemeClr val="dk1">
+                <a:shade val="50000"/>
+              </a:schemeClr>
+            </a:lnRef>
+            <a:fillRef idx="1">
+              <a:schemeClr val="dk1"/>
+            </a:fillRef>
+            <a:effectRef idx="0">
+              <a:schemeClr val="dk1"/>
+            </a:effectRef>
+            <a:fontRef idx="minor">
+              <a:schemeClr val="lt1"/>
+            </a:fontRef>
+          </p:style>
+          <p:txBody>
+            <a:bodyPr rtlCol="0" anchor="ctr"/>
+            <a:lstStyle/>
+            <a:p>
+              <a:pPr algn="ctr"/>
+              <a:endParaRPr lang="en-US"/>
+            </a:p>
+          </p:txBody>
+        </p:sp>
+        <p:sp>
+          <p:nvSpPr>
+            <p:cNvPr id="23" name="Plus 22"/>
+            <p:cNvSpPr/>
+            <p:nvPr/>
+          </p:nvSpPr>
+          <p:spPr>
+            <a:xfrm>
+              <a:off x="3572909" y="4126266"/>
+              <a:ext cx="579661" cy="573609"/>
+            </a:xfrm>
+            <a:prstGeom prst="mathPlus">
+              <a:avLst>
+                <a:gd name="adj1" fmla="val 15301"/>
+              </a:avLst>
+            </a:prstGeom>
+            <a:ln>
+              <a:noFill/>
+            </a:ln>
+          </p:spPr>
+          <p:style>
+            <a:lnRef idx="2">
+              <a:schemeClr val="dk1">
+                <a:shade val="50000"/>
+              </a:schemeClr>
+            </a:lnRef>
+            <a:fillRef idx="1">
+              <a:schemeClr val="dk1"/>
+            </a:fillRef>
+            <a:effectRef idx="0">
+              <a:schemeClr val="dk1"/>
+            </a:effectRef>
+            <a:fontRef idx="minor">
+              <a:schemeClr val="lt1"/>
+            </a:fontRef>
+          </p:style>
+          <p:txBody>
+            <a:bodyPr rtlCol="0" anchor="ctr"/>
+            <a:lstStyle/>
+            <a:p>
+              <a:pPr algn="ctr"/>
+              <a:endParaRPr lang="en-US"/>
+            </a:p>
+          </p:txBody>
+        </p:sp>
+        <p:pic>
+          <p:nvPicPr>
+            <p:cNvPr id="24" name="Picture 2" descr="C:\Users\kishore\Downloads\cheese.png"/>
+            <p:cNvPicPr>
+              <a:picLocks noChangeAspect="1" noChangeArrowheads="1"/>
+            </p:cNvPicPr>
+            <p:nvPr/>
+          </p:nvPicPr>
+          <p:blipFill>
+            <a:blip r:embed="rId10" cstate="print">
+              <a:extLst>
+                <a:ext uri="{28A0092B-C50C-407E-A947-70E740481C1C}">
+                  <a14:useLocalDpi xmlns:a14="http://schemas.microsoft.com/office/drawing/2010/main" val="0"/>
+                </a:ext>
+              </a:extLst>
+            </a:blip>
+            <a:srcRect/>
+            <a:stretch>
+              <a:fillRect/>
+            </a:stretch>
+          </p:blipFill>
+          <p:spPr bwMode="auto">
+            <a:xfrm>
+              <a:off x="5771569" y="3960094"/>
+              <a:ext cx="893611" cy="893611"/>
+            </a:xfrm>
+            <a:prstGeom prst="rect">
+              <a:avLst/>
+            </a:prstGeom>
+            <a:noFill/>
+            <a:extLst>
+              <a:ext uri="{909E8E84-426E-40DD-AFC4-6F175D3DCCD1}">
+                <a14:hiddenFill xmlns:a14="http://schemas.microsoft.com/office/drawing/2010/main">
+                  <a:solidFill>
+                    <a:srgbClr val="FFFFFF"/>
+                  </a:solidFill>
+                </a14:hiddenFill>
+              </a:ext>
+            </a:extLst>
+          </p:spPr>
+        </p:pic>
+      </p:grpSp>
+      <p:sp>
+        <p:nvSpPr>
+          <p:cNvPr id="25" name="TextBox 24"/>
+          <p:cNvSpPr txBox="1"/>
+          <p:nvPr/>
+        </p:nvSpPr>
+        <p:spPr>
+          <a:xfrm>
+            <a:off x="533400" y="5867400"/>
+            <a:ext cx="7930895" cy="400110"/>
+          </a:xfrm>
+          <a:prstGeom prst="rect">
+            <a:avLst/>
+          </a:prstGeom>
+          <a:noFill/>
+        </p:spPr>
+        <p:txBody>
+          <a:bodyPr wrap="square" rtlCol="0">
+            <a:spAutoFit/>
+          </a:bodyPr>
+          <a:lstStyle/>
+          <a:p>
+            <a:r>
+              <a:rPr lang="en-US" sz="2000" b="1" dirty="0">
+                <a:latin typeface="Segoe Print" panose="02000600000000000000" pitchFamily="2" charset="0"/>
+              </a:rPr>
+              <a:t>Without them there would be no milk or cheese.</a:t>
+            </a:r>
+            <a:endParaRPr lang="en-US" sz="1400" b="1" dirty="0">
+              <a:latin typeface="Segoe Print" panose="02000600000000000000" pitchFamily="2" charset="0"/>
+            </a:endParaRPr>
+          </a:p>
+        </p:txBody>
+      </p:sp>
+      <p:grpSp>
+        <p:nvGrpSpPr>
+          <p:cNvPr id="14" name="Group 13"/>
+          <p:cNvGrpSpPr/>
+          <p:nvPr/>
+        </p:nvGrpSpPr>
+        <p:grpSpPr>
+          <a:xfrm>
+            <a:off x="7543800" y="1991866"/>
+            <a:ext cx="1518080" cy="958086"/>
+            <a:chOff x="7748520" y="1991866"/>
+            <a:chExt cx="1518080" cy="958086"/>
+          </a:xfrm>
+        </p:grpSpPr>
+        <p:pic>
+          <p:nvPicPr>
+            <p:cNvPr id="26" name="Picture 3" descr="C:\Users\kishore\Downloads\crops.png"/>
+            <p:cNvPicPr>
+              <a:picLocks noChangeAspect="1" noChangeArrowheads="1"/>
+            </p:cNvPicPr>
+            <p:nvPr/>
+          </p:nvPicPr>
+          <p:blipFill>
+            <a:blip r:embed="rId11" cstate="print">
+              <a:extLst>
+                <a:ext uri="{28A0092B-C50C-407E-A947-70E740481C1C}">
+                  <a14:useLocalDpi xmlns:a14="http://schemas.microsoft.com/office/drawing/2010/main" val="0"/>
+                </a:ext>
+              </a:extLst>
+            </a:blip>
+            <a:srcRect/>
+            <a:stretch>
+              <a:fillRect/>
+            </a:stretch>
+          </p:blipFill>
+          <p:spPr bwMode="auto">
+            <a:xfrm>
+              <a:off x="7748520" y="2004566"/>
+              <a:ext cx="945386" cy="945386"/>
+            </a:xfrm>
+            <a:prstGeom prst="rect">
+              <a:avLst/>
+            </a:prstGeom>
+            <a:noFill/>
+            <a:extLst>
+              <a:ext uri="{909E8E84-426E-40DD-AFC4-6F175D3DCCD1}">
+                <a14:hiddenFill xmlns:a14="http://schemas.microsoft.com/office/drawing/2010/main">
+                  <a:solidFill>
+                    <a:srgbClr val="FFFFFF"/>
+                  </a:solidFill>
+                </a14:hiddenFill>
+              </a:ext>
+            </a:extLst>
+          </p:spPr>
+        </p:pic>
+        <p:pic>
+          <p:nvPicPr>
+            <p:cNvPr id="28" name="Picture 3" descr="C:\Users\kishore\Downloads\crops.png"/>
+            <p:cNvPicPr>
+              <a:picLocks noChangeAspect="1" noChangeArrowheads="1"/>
+            </p:cNvPicPr>
+            <p:nvPr/>
+          </p:nvPicPr>
+          <p:blipFill>
+            <a:blip r:embed="rId11" cstate="print">
+              <a:extLst>
+                <a:ext uri="{28A0092B-C50C-407E-A947-70E740481C1C}">
+                  <a14:useLocalDpi xmlns:a14="http://schemas.microsoft.com/office/drawing/2010/main" val="0"/>
+                </a:ext>
+              </a:extLst>
+            </a:blip>
+            <a:srcRect/>
+            <a:stretch>
+              <a:fillRect/>
+            </a:stretch>
+          </p:blipFill>
+          <p:spPr bwMode="auto">
+            <a:xfrm>
+              <a:off x="8321214" y="1991866"/>
+              <a:ext cx="945386" cy="945386"/>
+            </a:xfrm>
+            <a:prstGeom prst="rect">
+              <a:avLst/>
+            </a:prstGeom>
+            <a:noFill/>
+            <a:extLst>
+              <a:ext uri="{909E8E84-426E-40DD-AFC4-6F175D3DCCD1}">
+                <a14:hiddenFill xmlns:a14="http://schemas.microsoft.com/office/drawing/2010/main">
+                  <a:solidFill>
+                    <a:srgbClr val="FFFFFF"/>
+                  </a:solidFill>
+                </a14:hiddenFill>
+              </a:ext>
+            </a:extLst>
+          </p:spPr>
+        </p:pic>
+      </p:grpSp>
+      <p:grpSp>
+        <p:nvGrpSpPr>
+          <p:cNvPr id="16" name="Group 15"/>
+          <p:cNvGrpSpPr/>
+          <p:nvPr/>
+        </p:nvGrpSpPr>
+        <p:grpSpPr>
+          <a:xfrm>
+            <a:off x="2819400" y="1371600"/>
+            <a:ext cx="4574648" cy="914400"/>
+            <a:chOff x="3197752" y="1295400"/>
+            <a:chExt cx="4574648" cy="914400"/>
+          </a:xfrm>
+        </p:grpSpPr>
+        <p:sp>
+          <p:nvSpPr>
+            <p:cNvPr id="6" name="TextBox 5"/>
+            <p:cNvSpPr txBox="1"/>
+            <p:nvPr/>
+          </p:nvSpPr>
+          <p:spPr>
+            <a:xfrm>
+              <a:off x="3197752" y="1295400"/>
+              <a:ext cx="4155305" cy="646331"/>
+            </a:xfrm>
+            <a:prstGeom prst="rect">
+              <a:avLst/>
+            </a:prstGeom>
+            <a:noFill/>
+          </p:spPr>
+          <p:txBody>
+            <a:bodyPr wrap="none" rtlCol="0">
+              <a:spAutoFit/>
+            </a:bodyPr>
+            <a:lstStyle/>
+            <a:p>
+              <a:r>
+                <a:rPr lang="en-US" sz="3600" b="1" dirty="0" smtClean="0">
+                  <a:latin typeface="Segoe Print" panose="02000600000000000000" pitchFamily="2" charset="0"/>
+                </a:rPr>
+                <a:t>Why bees </a:t>
+              </a:r>
+              <a:r>
+                <a:rPr lang="en-US" sz="3600" b="1" dirty="0" smtClean="0">
+                  <a:solidFill>
+                    <a:srgbClr val="0070C0"/>
+                  </a:solidFill>
+                  <a:latin typeface="Segoe Print" panose="02000600000000000000" pitchFamily="2" charset="0"/>
+                </a:rPr>
+                <a:t>matter</a:t>
+              </a:r>
+              <a:endParaRPr lang="en-US" sz="3600" b="1" dirty="0">
+                <a:solidFill>
+                  <a:srgbClr val="0070C0"/>
+                </a:solidFill>
+                <a:latin typeface="Segoe Print" panose="02000600000000000000" pitchFamily="2" charset="0"/>
+              </a:endParaRPr>
+            </a:p>
+          </p:txBody>
+        </p:sp>
+        <p:sp>
+          <p:nvSpPr>
+            <p:cNvPr id="29" name="Arc 28"/>
+            <p:cNvSpPr/>
+            <p:nvPr/>
+          </p:nvSpPr>
+          <p:spPr>
+            <a:xfrm flipH="1">
+              <a:off x="5571896" y="1828800"/>
+              <a:ext cx="2200504" cy="381000"/>
+            </a:xfrm>
+            <a:prstGeom prst="arc">
+              <a:avLst>
+                <a:gd name="adj1" fmla="val 12022586"/>
+                <a:gd name="adj2" fmla="val 21440220"/>
+              </a:avLst>
+            </a:prstGeom>
+            <a:ln w="57150"/>
+          </p:spPr>
+          <p:style>
+            <a:lnRef idx="3">
+              <a:schemeClr val="accent2"/>
+            </a:lnRef>
+            <a:fillRef idx="0">
+              <a:schemeClr val="accent2"/>
+            </a:fillRef>
+            <a:effectRef idx="2">
+              <a:schemeClr val="accent2"/>
+            </a:effectRef>
+            <a:fontRef idx="minor">
               <a:schemeClr val="tx1"/>
-            </a:solidFill>
-            <a:prstDash val="lgDash"/>
-          </a:ln>
-        </p:spPr>
-        <p:style>
-          <a:lnRef idx="2">
-            <a:schemeClr val="accent1">
-              <a:shade val="50000"/>
-            </a:schemeClr>
-          </a:lnRef>
-          <a:fillRef idx="1">
-            <a:schemeClr val="accent1"/>
-          </a:fillRef>
-          <a:effectRef idx="0">
-            <a:schemeClr val="accent1"/>
-          </a:effectRef>
-          <a:fontRef idx="minor">
-            <a:schemeClr val="lt1"/>
-          </a:fontRef>
-        </p:style>
-        <p:txBody>
-          <a:bodyPr rtlCol="0" anchor="ctr"/>
-          <a:lstStyle/>
-          <a:p>
-            <a:pPr algn="ctr"/>
-            <a:endParaRPr lang="en-US"/>
-          </a:p>
-        </p:txBody>
-      </p:sp>
+            </a:fontRef>
+          </p:style>
+          <p:txBody>
+            <a:bodyPr rtlCol="0" anchor="ctr"/>
+            <a:lstStyle/>
+            <a:p>
+              <a:pPr algn="ctr"/>
+              <a:endParaRPr lang="en-US"/>
+            </a:p>
+          </p:txBody>
+        </p:sp>
+      </p:grpSp>
       <p:pic>
         <p:nvPicPr>
-          <p:cNvPr id="1026" name="Picture 2" descr="C:\Users\kishore\Downloads\bee.png"/>
+          <p:cNvPr id="30" name="Picture 4" descr="C:\Users\kishore\Downloads\honeycomb (2).png"/>
           <p:cNvPicPr>
             <a:picLocks noChangeAspect="1" noChangeArrowheads="1"/>
           </p:cNvPicPr>
           <p:nvPr/>
         </p:nvPicPr>
         <p:blipFill>
-          <a:blip r:embed="rId2" cstate="print">
+          <a:blip r:embed="rId12" cstate="print">
             <a:extLst>
               <a:ext uri="{28A0092B-C50C-407E-A947-70E740481C1C}">
                 <a14:useLocalDpi xmlns:a14="http://schemas.microsoft.com/office/drawing/2010/main" val="0"/>
@@ -3290,8 +4270,8 @@
         </p:blipFill>
         <p:spPr bwMode="auto">
           <a:xfrm>
-            <a:off x="1223423" y="887391"/>
-            <a:ext cx="781050" cy="781050"/>
+            <a:off x="7848600" y="170532"/>
+            <a:ext cx="1886868" cy="1886868"/>
           </a:xfrm>
           <a:prstGeom prst="rect">
             <a:avLst/>
@@ -3308,163 +4288,47 @@
           </a:extLst>
         </p:spPr>
       </p:pic>
-      <p:sp>
-        <p:nvSpPr>
-          <p:cNvPr id="6" name="TextBox 5"/>
-          <p:cNvSpPr txBox="1"/>
+      <p:pic>
+        <p:nvPicPr>
+          <p:cNvPr id="32" name="Picture 4" descr="C:\Users\kishore\Downloads\honeycomb (2).png"/>
+          <p:cNvPicPr>
+            <a:picLocks noChangeAspect="1" noChangeArrowheads="1"/>
+          </p:cNvPicPr>
           <p:nvPr/>
-        </p:nvSpPr>
-        <p:spPr>
+        </p:nvPicPr>
+        <p:blipFill>
+          <a:blip r:embed="rId12" cstate="print">
+            <a:extLst>
+              <a:ext uri="{28A0092B-C50C-407E-A947-70E740481C1C}">
+                <a14:useLocalDpi xmlns:a14="http://schemas.microsoft.com/office/drawing/2010/main" val="0"/>
+              </a:ext>
+            </a:extLst>
+          </a:blip>
+          <a:srcRect/>
+          <a:stretch>
+            <a:fillRect/>
+          </a:stretch>
+        </p:blipFill>
+        <p:spPr bwMode="auto">
           <a:xfrm>
-            <a:off x="2514600" y="1981200"/>
-            <a:ext cx="4152099" cy="769441"/>
+            <a:off x="170532" y="170532"/>
+            <a:ext cx="1886868" cy="1886868"/>
           </a:xfrm>
           <a:prstGeom prst="rect">
             <a:avLst/>
           </a:prstGeom>
           <a:noFill/>
+          <a:extLst>
+            <a:ext uri="{909E8E84-426E-40DD-AFC4-6F175D3DCCD1}">
+              <a14:hiddenFill xmlns:a14="http://schemas.microsoft.com/office/drawing/2010/main">
+                <a:solidFill>
+                  <a:srgbClr val="FFFFFF"/>
+                </a:solidFill>
+              </a14:hiddenFill>
+            </a:ext>
+          </a:extLst>
         </p:spPr>
-        <p:txBody>
-          <a:bodyPr wrap="none" rtlCol="0">
-            <a:spAutoFit/>
-          </a:bodyPr>
-          <a:lstStyle/>
-          <a:p>
-            <a:r>
-              <a:rPr lang="en-US" sz="4400" b="1" dirty="0" smtClean="0">
-                <a:latin typeface="Bradley Hand ITC" panose="03070402050302030203" pitchFamily="66" charset="0"/>
-              </a:rPr>
-              <a:t>Why bees </a:t>
-            </a:r>
-            <a:r>
-              <a:rPr lang="en-US" sz="4400" b="1" dirty="0" smtClean="0">
-                <a:solidFill>
-                  <a:srgbClr val="0070C0"/>
-                </a:solidFill>
-                <a:latin typeface="Bradley Hand ITC" panose="03070402050302030203" pitchFamily="66" charset="0"/>
-              </a:rPr>
-              <a:t>matter</a:t>
-            </a:r>
-            <a:endParaRPr lang="en-US" sz="4400" b="1" dirty="0">
-              <a:solidFill>
-                <a:srgbClr val="0070C0"/>
-              </a:solidFill>
-              <a:latin typeface="Bradley Hand ITC" panose="03070402050302030203" pitchFamily="66" charset="0"/>
-            </a:endParaRPr>
-          </a:p>
-        </p:txBody>
-      </p:sp>
-      <p:sp>
-        <p:nvSpPr>
-          <p:cNvPr id="8" name="TextBox 7"/>
-          <p:cNvSpPr txBox="1"/>
-          <p:nvPr/>
-        </p:nvSpPr>
-        <p:spPr>
-          <a:xfrm>
-            <a:off x="685800" y="3200400"/>
-            <a:ext cx="2576346" cy="1015663"/>
-          </a:xfrm>
-          <a:prstGeom prst="rect">
-            <a:avLst/>
-          </a:prstGeom>
-          <a:noFill/>
-        </p:spPr>
-        <p:txBody>
-          <a:bodyPr wrap="none" rtlCol="0">
-            <a:spAutoFit/>
-          </a:bodyPr>
-          <a:lstStyle/>
-          <a:p>
-            <a:r>
-              <a:rPr lang="en-US" sz="3600" b="1" dirty="0" smtClean="0">
-                <a:solidFill>
-                  <a:srgbClr val="C00000"/>
-                </a:solidFill>
-                <a:latin typeface="Bradley Hand ITC" panose="03070402050302030203" pitchFamily="66" charset="0"/>
-              </a:rPr>
-              <a:t>85%</a:t>
-            </a:r>
-            <a:r>
-              <a:rPr lang="en-US" sz="2400" b="1" dirty="0" smtClean="0">
-                <a:latin typeface="Bradley Hand ITC" panose="03070402050302030203" pitchFamily="66" charset="0"/>
-              </a:rPr>
-              <a:t> </a:t>
-            </a:r>
-            <a:r>
-              <a:rPr lang="en-US" sz="2400" b="1" dirty="0" smtClean="0">
-                <a:solidFill>
-                  <a:srgbClr val="0070C0"/>
-                </a:solidFill>
-                <a:latin typeface="Bradley Hand ITC" panose="03070402050302030203" pitchFamily="66" charset="0"/>
-              </a:rPr>
-              <a:t>plants exist</a:t>
-            </a:r>
-          </a:p>
-          <a:p>
-            <a:r>
-              <a:rPr lang="en-US" sz="2400" b="1" dirty="0" smtClean="0">
-                <a:solidFill>
-                  <a:srgbClr val="0070C0"/>
-                </a:solidFill>
-                <a:latin typeface="Bradley Hand ITC" panose="03070402050302030203" pitchFamily="66" charset="0"/>
-              </a:rPr>
-              <a:t>because of bees</a:t>
-            </a:r>
-            <a:endParaRPr lang="en-US" sz="2400" b="1" dirty="0">
-              <a:solidFill>
-                <a:srgbClr val="0070C0"/>
-              </a:solidFill>
-              <a:latin typeface="Bradley Hand ITC" panose="03070402050302030203" pitchFamily="66" charset="0"/>
-            </a:endParaRPr>
-          </a:p>
-        </p:txBody>
-      </p:sp>
-      <p:sp>
-        <p:nvSpPr>
-          <p:cNvPr id="9" name="TextBox 8"/>
-          <p:cNvSpPr txBox="1"/>
-          <p:nvPr/>
-        </p:nvSpPr>
-        <p:spPr>
-          <a:xfrm>
-            <a:off x="6096000" y="3505200"/>
-            <a:ext cx="3352799" cy="1938992"/>
-          </a:xfrm>
-          <a:prstGeom prst="rect">
-            <a:avLst/>
-          </a:prstGeom>
-          <a:noFill/>
-        </p:spPr>
-        <p:txBody>
-          <a:bodyPr wrap="square" rtlCol="0">
-            <a:spAutoFit/>
-          </a:bodyPr>
-          <a:lstStyle/>
-          <a:p>
-            <a:r>
-              <a:rPr lang="en-US" sz="2400" b="1" dirty="0" smtClean="0">
-                <a:solidFill>
-                  <a:srgbClr val="0070C0"/>
-                </a:solidFill>
-                <a:latin typeface="Bradley Hand ITC" panose="03070402050302030203" pitchFamily="66" charset="0"/>
-              </a:rPr>
-              <a:t>Bees are responsible for food quality and safety</a:t>
-            </a:r>
-          </a:p>
-          <a:p>
-            <a:r>
-              <a:rPr lang="en-US" sz="2400" b="1" dirty="0" smtClean="0">
-                <a:latin typeface="Bradley Hand ITC" panose="03070402050302030203" pitchFamily="66" charset="0"/>
-              </a:rPr>
-              <a:t>We can thank a pollinator for as much as 1/3 of all food we eat</a:t>
-            </a:r>
-            <a:endParaRPr lang="en-US" sz="1600" b="1" dirty="0">
-              <a:latin typeface="Bradley Hand ITC" panose="03070402050302030203" pitchFamily="66" charset="0"/>
-            </a:endParaRPr>
-          </a:p>
-        </p:txBody>
-      </p:sp>
+      </p:pic>
     </p:spTree>
     <p:extLst>
       <p:ext uri="{BB962C8B-B14F-4D97-AF65-F5344CB8AC3E}">
@@ -3864,6 +4728,655 @@
           </a:extLst>
         </p:spPr>
       </p:pic>
+      <p:sp>
+        <p:nvSpPr>
+          <p:cNvPr id="2" name="AutoShape 2" descr="Cow free icon"/>
+          <p:cNvSpPr>
+            <a:spLocks noChangeAspect="1" noChangeArrowheads="1"/>
+          </p:cNvSpPr>
+          <p:nvPr/>
+        </p:nvSpPr>
+        <p:spPr bwMode="auto">
+          <a:xfrm>
+            <a:off x="155575" y="-144463"/>
+            <a:ext cx="304800" cy="304801"/>
+          </a:xfrm>
+          <a:prstGeom prst="rect">
+            <a:avLst/>
+          </a:prstGeom>
+          <a:noFill/>
+          <a:extLst>
+            <a:ext uri="{909E8E84-426E-40DD-AFC4-6F175D3DCCD1}">
+              <a14:hiddenFill xmlns:a14="http://schemas.microsoft.com/office/drawing/2010/main">
+                <a:solidFill>
+                  <a:srgbClr val="FFFFFF"/>
+                </a:solidFill>
+              </a14:hiddenFill>
+            </a:ext>
+          </a:extLst>
+        </p:spPr>
+        <p:txBody>
+          <a:bodyPr vert="horz" wrap="square" lIns="91440" tIns="45720" rIns="91440" bIns="45720" numCol="1" anchor="t" anchorCtr="0" compatLnSpc="1">
+            <a:prstTxWarp prst="textNoShape">
+              <a:avLst/>
+            </a:prstTxWarp>
+          </a:bodyPr>
+          <a:lstStyle/>
+          <a:p>
+            <a:endParaRPr lang="en-US"/>
+          </a:p>
+        </p:txBody>
+      </p:sp>
+      <p:pic>
+        <p:nvPicPr>
+          <p:cNvPr id="2052" name="Picture 4" descr="C:\Users\kishore\Documents\bee.PNG"/>
+          <p:cNvPicPr>
+            <a:picLocks noChangeAspect="1" noChangeArrowheads="1"/>
+          </p:cNvPicPr>
+          <p:nvPr/>
+        </p:nvPicPr>
+        <p:blipFill>
+          <a:blip r:embed="rId11" cstate="print">
+            <a:extLst>
+              <a:ext uri="{28A0092B-C50C-407E-A947-70E740481C1C}">
+                <a14:useLocalDpi xmlns:a14="http://schemas.microsoft.com/office/drawing/2010/main" val="0"/>
+              </a:ext>
+            </a:extLst>
+          </a:blip>
+          <a:srcRect/>
+          <a:stretch>
+            <a:fillRect/>
+          </a:stretch>
+        </p:blipFill>
+        <p:spPr bwMode="auto">
+          <a:xfrm>
+            <a:off x="460375" y="2470207"/>
+            <a:ext cx="1382669" cy="1072129"/>
+          </a:xfrm>
+          <a:prstGeom prst="rect">
+            <a:avLst/>
+          </a:prstGeom>
+          <a:noFill/>
+          <a:extLst>
+            <a:ext uri="{909E8E84-426E-40DD-AFC4-6F175D3DCCD1}">
+              <a14:hiddenFill xmlns:a14="http://schemas.microsoft.com/office/drawing/2010/main">
+                <a:solidFill>
+                  <a:srgbClr val="FFFFFF"/>
+                </a:solidFill>
+              </a14:hiddenFill>
+            </a:ext>
+          </a:extLst>
+        </p:spPr>
+      </p:pic>
+      <p:pic>
+        <p:nvPicPr>
+          <p:cNvPr id="13" name="Picture 2" descr="C:\Users\kishore\Downloads\green-tea.png"/>
+          <p:cNvPicPr>
+            <a:picLocks noChangeAspect="1" noChangeArrowheads="1"/>
+          </p:cNvPicPr>
+          <p:nvPr/>
+        </p:nvPicPr>
+        <p:blipFill>
+          <a:blip r:embed="rId12" cstate="print">
+            <a:extLst>
+              <a:ext uri="{28A0092B-C50C-407E-A947-70E740481C1C}">
+                <a14:useLocalDpi xmlns:a14="http://schemas.microsoft.com/office/drawing/2010/main" val="0"/>
+              </a:ext>
+            </a:extLst>
+          </a:blip>
+          <a:srcRect/>
+          <a:stretch>
+            <a:fillRect/>
+          </a:stretch>
+        </p:blipFill>
+        <p:spPr bwMode="auto">
+          <a:xfrm>
+            <a:off x="4039638" y="1755243"/>
+            <a:ext cx="1978557" cy="1978557"/>
+          </a:xfrm>
+          <a:prstGeom prst="rect">
+            <a:avLst/>
+          </a:prstGeom>
+          <a:noFill/>
+          <a:extLst>
+            <a:ext uri="{909E8E84-426E-40DD-AFC4-6F175D3DCCD1}">
+              <a14:hiddenFill xmlns:a14="http://schemas.microsoft.com/office/drawing/2010/main">
+                <a:solidFill>
+                  <a:srgbClr val="FFFFFF"/>
+                </a:solidFill>
+              </a14:hiddenFill>
+            </a:ext>
+          </a:extLst>
+        </p:spPr>
+      </p:pic>
+      <p:pic>
+        <p:nvPicPr>
+          <p:cNvPr id="14" name="Picture 3" descr="C:\Users\kishore\Downloads\crops.png"/>
+          <p:cNvPicPr>
+            <a:picLocks noChangeAspect="1" noChangeArrowheads="1"/>
+          </p:cNvPicPr>
+          <p:nvPr/>
+        </p:nvPicPr>
+        <p:blipFill>
+          <a:blip r:embed="rId13" cstate="print">
+            <a:extLst>
+              <a:ext uri="{28A0092B-C50C-407E-A947-70E740481C1C}">
+                <a14:useLocalDpi xmlns:a14="http://schemas.microsoft.com/office/drawing/2010/main" val="0"/>
+              </a:ext>
+            </a:extLst>
+          </a:blip>
+          <a:srcRect/>
+          <a:stretch>
+            <a:fillRect/>
+          </a:stretch>
+        </p:blipFill>
+        <p:spPr bwMode="auto">
+          <a:xfrm>
+            <a:off x="7722488" y="2403900"/>
+            <a:ext cx="2057777" cy="2057777"/>
+          </a:xfrm>
+          <a:prstGeom prst="rect">
+            <a:avLst/>
+          </a:prstGeom>
+          <a:noFill/>
+          <a:extLst>
+            <a:ext uri="{909E8E84-426E-40DD-AFC4-6F175D3DCCD1}">
+              <a14:hiddenFill xmlns:a14="http://schemas.microsoft.com/office/drawing/2010/main">
+                <a:solidFill>
+                  <a:srgbClr val="FFFFFF"/>
+                </a:solidFill>
+              </a14:hiddenFill>
+            </a:ext>
+          </a:extLst>
+        </p:spPr>
+      </p:pic>
+      <p:grpSp>
+        <p:nvGrpSpPr>
+          <p:cNvPr id="15" name="Group 14"/>
+          <p:cNvGrpSpPr/>
+          <p:nvPr/>
+        </p:nvGrpSpPr>
+        <p:grpSpPr>
+          <a:xfrm>
+            <a:off x="1219200" y="3960094"/>
+            <a:ext cx="5445980" cy="893611"/>
+            <a:chOff x="1219200" y="3960094"/>
+            <a:chExt cx="5445980" cy="893611"/>
+          </a:xfrm>
+        </p:grpSpPr>
+        <p:pic>
+          <p:nvPicPr>
+            <p:cNvPr id="16" name="Picture 2" descr="Image result for honeycomb"/>
+            <p:cNvPicPr>
+              <a:picLocks noChangeAspect="1" noChangeArrowheads="1"/>
+            </p:cNvPicPr>
+            <p:nvPr/>
+          </p:nvPicPr>
+          <p:blipFill>
+            <a:blip r:embed="rId14" cstate="print">
+              <a:extLst>
+                <a:ext uri="{28A0092B-C50C-407E-A947-70E740481C1C}">
+                  <a14:useLocalDpi xmlns:a14="http://schemas.microsoft.com/office/drawing/2010/main" val="0"/>
+                </a:ext>
+              </a:extLst>
+            </a:blip>
+            <a:srcRect/>
+            <a:stretch>
+              <a:fillRect/>
+            </a:stretch>
+          </p:blipFill>
+          <p:spPr bwMode="auto">
+            <a:xfrm>
+              <a:off x="2867652" y="3989551"/>
+              <a:ext cx="646740" cy="798349"/>
+            </a:xfrm>
+            <a:prstGeom prst="rect">
+              <a:avLst/>
+            </a:prstGeom>
+            <a:noFill/>
+            <a:effectLst>
+              <a:softEdge rad="63500"/>
+            </a:effectLst>
+            <a:extLst>
+              <a:ext uri="{909E8E84-426E-40DD-AFC4-6F175D3DCCD1}">
+                <a14:hiddenFill xmlns:a14="http://schemas.microsoft.com/office/drawing/2010/main">
+                  <a:solidFill>
+                    <a:srgbClr val="FFFFFF"/>
+                  </a:solidFill>
+                </a14:hiddenFill>
+              </a:ext>
+            </a:extLst>
+          </p:spPr>
+        </p:pic>
+        <p:pic>
+          <p:nvPicPr>
+            <p:cNvPr id="17" name="Picture 3" descr="C:\Users\kishore\Documents\cow.PNG"/>
+            <p:cNvPicPr>
+              <a:picLocks noChangeAspect="1" noChangeArrowheads="1"/>
+            </p:cNvPicPr>
+            <p:nvPr/>
+          </p:nvPicPr>
+          <p:blipFill>
+            <a:blip r:embed="rId15" cstate="print">
+              <a:extLst>
+                <a:ext uri="{28A0092B-C50C-407E-A947-70E740481C1C}">
+                  <a14:useLocalDpi xmlns:a14="http://schemas.microsoft.com/office/drawing/2010/main" val="0"/>
+                </a:ext>
+              </a:extLst>
+            </a:blip>
+            <a:srcRect/>
+            <a:stretch>
+              <a:fillRect/>
+            </a:stretch>
+          </p:blipFill>
+          <p:spPr bwMode="auto">
+            <a:xfrm>
+              <a:off x="4152570" y="4025900"/>
+              <a:ext cx="876630" cy="762000"/>
+            </a:xfrm>
+            <a:prstGeom prst="rect">
+              <a:avLst/>
+            </a:prstGeom>
+            <a:noFill/>
+            <a:extLst>
+              <a:ext uri="{909E8E84-426E-40DD-AFC4-6F175D3DCCD1}">
+                <a14:hiddenFill xmlns:a14="http://schemas.microsoft.com/office/drawing/2010/main">
+                  <a:solidFill>
+                    <a:srgbClr val="FFFFFF"/>
+                  </a:solidFill>
+                </a14:hiddenFill>
+              </a:ext>
+            </a:extLst>
+          </p:spPr>
+        </p:pic>
+        <p:pic>
+          <p:nvPicPr>
+            <p:cNvPr id="18" name="Picture 4" descr="C:\Users\kishore\Documents\bee.PNG"/>
+            <p:cNvPicPr>
+              <a:picLocks noChangeAspect="1" noChangeArrowheads="1"/>
+            </p:cNvPicPr>
+            <p:nvPr/>
+          </p:nvPicPr>
+          <p:blipFill>
+            <a:blip r:embed="rId16" cstate="print">
+              <a:extLst>
+                <a:ext uri="{28A0092B-C50C-407E-A947-70E740481C1C}">
+                  <a14:useLocalDpi xmlns:a14="http://schemas.microsoft.com/office/drawing/2010/main" val="0"/>
+                </a:ext>
+              </a:extLst>
+            </a:blip>
+            <a:srcRect/>
+            <a:stretch>
+              <a:fillRect/>
+            </a:stretch>
+          </p:blipFill>
+          <p:spPr bwMode="auto">
+            <a:xfrm>
+              <a:off x="1219200" y="4025900"/>
+              <a:ext cx="999091" cy="774700"/>
+            </a:xfrm>
+            <a:prstGeom prst="rect">
+              <a:avLst/>
+            </a:prstGeom>
+            <a:noFill/>
+            <a:extLst>
+              <a:ext uri="{909E8E84-426E-40DD-AFC4-6F175D3DCCD1}">
+                <a14:hiddenFill xmlns:a14="http://schemas.microsoft.com/office/drawing/2010/main">
+                  <a:solidFill>
+                    <a:srgbClr val="FFFFFF"/>
+                  </a:solidFill>
+                </a14:hiddenFill>
+              </a:ext>
+            </a:extLst>
+          </p:spPr>
+        </p:pic>
+        <p:sp>
+          <p:nvSpPr>
+            <p:cNvPr id="19" name="Equal 18"/>
+            <p:cNvSpPr/>
+            <p:nvPr/>
+          </p:nvSpPr>
+          <p:spPr>
+            <a:xfrm>
+              <a:off x="5029200" y="4164367"/>
+              <a:ext cx="625745" cy="509875"/>
+            </a:xfrm>
+            <a:prstGeom prst="mathEqual">
+              <a:avLst>
+                <a:gd name="adj1" fmla="val 13103"/>
+                <a:gd name="adj2" fmla="val 11760"/>
+              </a:avLst>
+            </a:prstGeom>
+            <a:ln>
+              <a:noFill/>
+            </a:ln>
+          </p:spPr>
+          <p:style>
+            <a:lnRef idx="2">
+              <a:schemeClr val="dk1">
+                <a:shade val="50000"/>
+              </a:schemeClr>
+            </a:lnRef>
+            <a:fillRef idx="1">
+              <a:schemeClr val="dk1"/>
+            </a:fillRef>
+            <a:effectRef idx="0">
+              <a:schemeClr val="dk1"/>
+            </a:effectRef>
+            <a:fontRef idx="minor">
+              <a:schemeClr val="lt1"/>
+            </a:fontRef>
+          </p:style>
+          <p:txBody>
+            <a:bodyPr rtlCol="0" anchor="ctr"/>
+            <a:lstStyle/>
+            <a:p>
+              <a:pPr algn="ctr"/>
+              <a:endParaRPr lang="en-US">
+                <a:solidFill>
+                  <a:schemeClr val="tx1"/>
+                </a:solidFill>
+              </a:endParaRPr>
+            </a:p>
+          </p:txBody>
+        </p:sp>
+        <p:sp>
+          <p:nvSpPr>
+            <p:cNvPr id="20" name="Plus 19"/>
+            <p:cNvSpPr/>
+            <p:nvPr/>
+          </p:nvSpPr>
+          <p:spPr>
+            <a:xfrm>
+              <a:off x="2218291" y="4150791"/>
+              <a:ext cx="579661" cy="573609"/>
+            </a:xfrm>
+            <a:prstGeom prst="mathPlus">
+              <a:avLst>
+                <a:gd name="adj1" fmla="val 15301"/>
+              </a:avLst>
+            </a:prstGeom>
+            <a:ln>
+              <a:noFill/>
+            </a:ln>
+          </p:spPr>
+          <p:style>
+            <a:lnRef idx="2">
+              <a:schemeClr val="dk1">
+                <a:shade val="50000"/>
+              </a:schemeClr>
+            </a:lnRef>
+            <a:fillRef idx="1">
+              <a:schemeClr val="dk1"/>
+            </a:fillRef>
+            <a:effectRef idx="0">
+              <a:schemeClr val="dk1"/>
+            </a:effectRef>
+            <a:fontRef idx="minor">
+              <a:schemeClr val="lt1"/>
+            </a:fontRef>
+          </p:style>
+          <p:txBody>
+            <a:bodyPr rtlCol="0" anchor="ctr"/>
+            <a:lstStyle/>
+            <a:p>
+              <a:pPr algn="ctr"/>
+              <a:endParaRPr lang="en-US"/>
+            </a:p>
+          </p:txBody>
+        </p:sp>
+        <p:sp>
+          <p:nvSpPr>
+            <p:cNvPr id="21" name="Plus 20"/>
+            <p:cNvSpPr/>
+            <p:nvPr/>
+          </p:nvSpPr>
+          <p:spPr>
+            <a:xfrm>
+              <a:off x="3572909" y="4126266"/>
+              <a:ext cx="579661" cy="573609"/>
+            </a:xfrm>
+            <a:prstGeom prst="mathPlus">
+              <a:avLst>
+                <a:gd name="adj1" fmla="val 15301"/>
+              </a:avLst>
+            </a:prstGeom>
+            <a:ln>
+              <a:noFill/>
+            </a:ln>
+          </p:spPr>
+          <p:style>
+            <a:lnRef idx="2">
+              <a:schemeClr val="dk1">
+                <a:shade val="50000"/>
+              </a:schemeClr>
+            </a:lnRef>
+            <a:fillRef idx="1">
+              <a:schemeClr val="dk1"/>
+            </a:fillRef>
+            <a:effectRef idx="0">
+              <a:schemeClr val="dk1"/>
+            </a:effectRef>
+            <a:fontRef idx="minor">
+              <a:schemeClr val="lt1"/>
+            </a:fontRef>
+          </p:style>
+          <p:txBody>
+            <a:bodyPr rtlCol="0" anchor="ctr"/>
+            <a:lstStyle/>
+            <a:p>
+              <a:pPr algn="ctr"/>
+              <a:endParaRPr lang="en-US"/>
+            </a:p>
+          </p:txBody>
+        </p:sp>
+        <p:pic>
+          <p:nvPicPr>
+            <p:cNvPr id="22" name="Picture 2" descr="C:\Users\kishore\Downloads\cheese.png"/>
+            <p:cNvPicPr>
+              <a:picLocks noChangeAspect="1" noChangeArrowheads="1"/>
+            </p:cNvPicPr>
+            <p:nvPr/>
+          </p:nvPicPr>
+          <p:blipFill>
+            <a:blip r:embed="rId17" cstate="print">
+              <a:extLst>
+                <a:ext uri="{28A0092B-C50C-407E-A947-70E740481C1C}">
+                  <a14:useLocalDpi xmlns:a14="http://schemas.microsoft.com/office/drawing/2010/main" val="0"/>
+                </a:ext>
+              </a:extLst>
+            </a:blip>
+            <a:srcRect/>
+            <a:stretch>
+              <a:fillRect/>
+            </a:stretch>
+          </p:blipFill>
+          <p:spPr bwMode="auto">
+            <a:xfrm>
+              <a:off x="5771569" y="3960094"/>
+              <a:ext cx="893611" cy="893611"/>
+            </a:xfrm>
+            <a:prstGeom prst="rect">
+              <a:avLst/>
+            </a:prstGeom>
+            <a:noFill/>
+            <a:extLst>
+              <a:ext uri="{909E8E84-426E-40DD-AFC4-6F175D3DCCD1}">
+                <a14:hiddenFill xmlns:a14="http://schemas.microsoft.com/office/drawing/2010/main">
+                  <a:solidFill>
+                    <a:srgbClr val="FFFFFF"/>
+                  </a:solidFill>
+                </a14:hiddenFill>
+              </a:ext>
+            </a:extLst>
+          </p:spPr>
+        </p:pic>
+      </p:grpSp>
+      <p:sp>
+        <p:nvSpPr>
+          <p:cNvPr id="23" name="Arc 22"/>
+          <p:cNvSpPr/>
+          <p:nvPr/>
+        </p:nvSpPr>
+        <p:spPr>
+          <a:xfrm flipH="1">
+            <a:off x="4095169" y="5562600"/>
+            <a:ext cx="3352800" cy="762000"/>
+          </a:xfrm>
+          <a:prstGeom prst="arc">
+            <a:avLst>
+              <a:gd name="adj1" fmla="val 12022586"/>
+              <a:gd name="adj2" fmla="val 21440220"/>
+            </a:avLst>
+          </a:prstGeom>
+          <a:ln w="57150"/>
+        </p:spPr>
+        <p:style>
+          <a:lnRef idx="3">
+            <a:schemeClr val="accent2"/>
+          </a:lnRef>
+          <a:fillRef idx="0">
+            <a:schemeClr val="accent2"/>
+          </a:fillRef>
+          <a:effectRef idx="2">
+            <a:schemeClr val="accent2"/>
+          </a:effectRef>
+          <a:fontRef idx="minor">
+            <a:schemeClr val="tx1"/>
+          </a:fontRef>
+        </p:style>
+        <p:txBody>
+          <a:bodyPr rtlCol="0" anchor="ctr"/>
+          <a:lstStyle/>
+          <a:p>
+            <a:pPr algn="ctr"/>
+            <a:endParaRPr lang="en-US"/>
+          </a:p>
+        </p:txBody>
+      </p:sp>
+      <p:pic>
+        <p:nvPicPr>
+          <p:cNvPr id="24" name="Picture 2" descr="C:\Users\kishore\Downloads\honeycomb (1).png"/>
+          <p:cNvPicPr>
+            <a:picLocks noChangeAspect="1" noChangeArrowheads="1"/>
+          </p:cNvPicPr>
+          <p:nvPr/>
+        </p:nvPicPr>
+        <p:blipFill>
+          <a:blip r:embed="rId18" cstate="print">
+            <a:extLst>
+              <a:ext uri="{28A0092B-C50C-407E-A947-70E740481C1C}">
+                <a14:useLocalDpi xmlns:a14="http://schemas.microsoft.com/office/drawing/2010/main" val="0"/>
+              </a:ext>
+            </a:extLst>
+          </a:blip>
+          <a:srcRect/>
+          <a:stretch>
+            <a:fillRect/>
+          </a:stretch>
+        </p:blipFill>
+        <p:spPr bwMode="auto">
+          <a:xfrm>
+            <a:off x="5998564" y="676026"/>
+            <a:ext cx="1047750" cy="1047750"/>
+          </a:xfrm>
+          <a:prstGeom prst="rect">
+            <a:avLst/>
+          </a:prstGeom>
+          <a:noFill/>
+          <a:extLst>
+            <a:ext uri="{909E8E84-426E-40DD-AFC4-6F175D3DCCD1}">
+              <a14:hiddenFill xmlns:a14="http://schemas.microsoft.com/office/drawing/2010/main">
+                <a:solidFill>
+                  <a:srgbClr val="FFFFFF"/>
+                </a:solidFill>
+              </a14:hiddenFill>
+            </a:ext>
+          </a:extLst>
+        </p:spPr>
+      </p:pic>
+      <p:pic>
+        <p:nvPicPr>
+          <p:cNvPr id="25" name="Picture 3" descr="C:\Users\kishore\Downloads\honeycomb.png"/>
+          <p:cNvPicPr>
+            <a:picLocks noChangeAspect="1" noChangeArrowheads="1"/>
+          </p:cNvPicPr>
+          <p:nvPr/>
+        </p:nvPicPr>
+        <p:blipFill>
+          <a:blip r:embed="rId19" cstate="print">
+            <a:extLst>
+              <a:ext uri="{28A0092B-C50C-407E-A947-70E740481C1C}">
+                <a14:useLocalDpi xmlns:a14="http://schemas.microsoft.com/office/drawing/2010/main" val="0"/>
+              </a:ext>
+            </a:extLst>
+          </a:blip>
+          <a:srcRect/>
+          <a:stretch>
+            <a:fillRect/>
+          </a:stretch>
+        </p:blipFill>
+        <p:spPr bwMode="auto">
+          <a:xfrm>
+            <a:off x="509586" y="5040355"/>
+            <a:ext cx="1284245" cy="1284245"/>
+          </a:xfrm>
+          <a:prstGeom prst="rect">
+            <a:avLst/>
+          </a:prstGeom>
+          <a:noFill/>
+          <a:extLst>
+            <a:ext uri="{909E8E84-426E-40DD-AFC4-6F175D3DCCD1}">
+              <a14:hiddenFill xmlns:a14="http://schemas.microsoft.com/office/drawing/2010/main">
+                <a:solidFill>
+                  <a:srgbClr val="FFFFFF"/>
+                </a:solidFill>
+              </a14:hiddenFill>
+            </a:ext>
+          </a:extLst>
+        </p:spPr>
+      </p:pic>
+      <p:pic>
+        <p:nvPicPr>
+          <p:cNvPr id="26" name="Picture 4" descr="C:\Users\kishore\Downloads\honeycomb (2).png"/>
+          <p:cNvPicPr>
+            <a:picLocks noChangeAspect="1" noChangeArrowheads="1"/>
+          </p:cNvPicPr>
+          <p:nvPr/>
+        </p:nvPicPr>
+        <p:blipFill>
+          <a:blip r:embed="rId20" cstate="print">
+            <a:extLst>
+              <a:ext uri="{28A0092B-C50C-407E-A947-70E740481C1C}">
+                <a14:useLocalDpi xmlns:a14="http://schemas.microsoft.com/office/drawing/2010/main" val="0"/>
+              </a:ext>
+            </a:extLst>
+          </a:blip>
+          <a:srcRect/>
+          <a:stretch>
+            <a:fillRect/>
+          </a:stretch>
+        </p:blipFill>
+        <p:spPr bwMode="auto">
+          <a:xfrm>
+            <a:off x="7574459" y="4871244"/>
+            <a:ext cx="1382712" cy="1382712"/>
+          </a:xfrm>
+          <a:prstGeom prst="rect">
+            <a:avLst/>
+          </a:prstGeom>
+          <a:noFill/>
+          <a:extLst>
+            <a:ext uri="{909E8E84-426E-40DD-AFC4-6F175D3DCCD1}">
+              <a14:hiddenFill xmlns:a14="http://schemas.microsoft.com/office/drawing/2010/main">
+                <a:solidFill>
+                  <a:srgbClr val="FFFFFF"/>
+                </a:solidFill>
+              </a14:hiddenFill>
+            </a:ext>
+          </a:extLst>
+        </p:spPr>
+      </p:pic>
     </p:spTree>
     <p:extLst>
       <p:ext uri="{BB962C8B-B14F-4D97-AF65-F5344CB8AC3E}">
@@ -3894,6 +5407,88 @@
           <a:chExt cx="0" cy="0"/>
         </a:xfrm>
       </p:grpSpPr>
+      <p:pic>
+        <p:nvPicPr>
+          <p:cNvPr id="17" name="Picture 4" descr="C:\Users\kishore\Downloads\honeycomb (2).png"/>
+          <p:cNvPicPr>
+            <a:picLocks noChangeAspect="1" noChangeArrowheads="1"/>
+          </p:cNvPicPr>
+          <p:nvPr/>
+        </p:nvPicPr>
+        <p:blipFill>
+          <a:blip r:embed="rId2" cstate="print">
+            <a:extLst>
+              <a:ext uri="{28A0092B-C50C-407E-A947-70E740481C1C}">
+                <a14:useLocalDpi xmlns:a14="http://schemas.microsoft.com/office/drawing/2010/main" val="0"/>
+              </a:ext>
+            </a:extLst>
+          </a:blip>
+          <a:srcRect/>
+          <a:stretch>
+            <a:fillRect/>
+          </a:stretch>
+        </p:blipFill>
+        <p:spPr bwMode="auto">
+          <a:xfrm>
+            <a:off x="163258" y="132432"/>
+            <a:ext cx="1886868" cy="1886868"/>
+          </a:xfrm>
+          <a:prstGeom prst="rect">
+            <a:avLst/>
+          </a:prstGeom>
+          <a:noFill/>
+          <a:extLst>
+            <a:ext uri="{909E8E84-426E-40DD-AFC4-6F175D3DCCD1}">
+              <a14:hiddenFill xmlns:a14="http://schemas.microsoft.com/office/drawing/2010/main">
+                <a:solidFill>
+                  <a:srgbClr val="FFFFFF"/>
+                </a:solidFill>
+              </a14:hiddenFill>
+            </a:ext>
+          </a:extLst>
+        </p:spPr>
+      </p:pic>
+      <p:pic>
+        <p:nvPicPr>
+          <p:cNvPr id="18" name="Picture 4" descr="C:\Users\kishore\Downloads\honeycomb (2).png"/>
+          <p:cNvPicPr>
+            <a:picLocks noChangeAspect="1" noChangeArrowheads="1"/>
+          </p:cNvPicPr>
+          <p:nvPr/>
+        </p:nvPicPr>
+        <p:blipFill>
+          <a:blip r:embed="rId2" cstate="print">
+            <a:extLst>
+              <a:ext uri="{28A0092B-C50C-407E-A947-70E740481C1C}">
+                <a14:useLocalDpi xmlns:a14="http://schemas.microsoft.com/office/drawing/2010/main" val="0"/>
+              </a:ext>
+            </a:extLst>
+          </a:blip>
+          <a:srcRect/>
+          <a:stretch>
+            <a:fillRect/>
+          </a:stretch>
+        </p:blipFill>
+        <p:spPr bwMode="auto">
+          <a:xfrm>
+            <a:off x="1585686" y="934359"/>
+            <a:ext cx="1886868" cy="1886868"/>
+          </a:xfrm>
+          <a:prstGeom prst="rect">
+            <a:avLst/>
+          </a:prstGeom>
+          <a:noFill/>
+          <a:extLst>
+            <a:ext uri="{909E8E84-426E-40DD-AFC4-6F175D3DCCD1}">
+              <a14:hiddenFill xmlns:a14="http://schemas.microsoft.com/office/drawing/2010/main">
+                <a:solidFill>
+                  <a:srgbClr val="FFFFFF"/>
+                </a:solidFill>
+              </a14:hiddenFill>
+            </a:ext>
+          </a:extLst>
+        </p:spPr>
+      </p:pic>
     </p:spTree>
     <p:extLst>
       <p:ext uri="{BB962C8B-B14F-4D97-AF65-F5344CB8AC3E}">
